--- a/presentationSlides3.pptx
+++ b/presentationSlides3.pptx
@@ -9439,10 +9439,15 @@
             <a:spLocks noGrp="1"/>
           </p:cNvSpPr>
           <p:nvPr>
-            <p:ph type="title"/>
-          </p:nvPr>
-        </p:nvSpPr>
-        <p:spPr/>
+            <p:ph type="title" idx="4294967295"/>
+          </p:nvPr>
+        </p:nvSpPr>
+        <p:spPr>
+          <a:xfrm>
+            <a:off x="225083" y="241276"/>
+            <a:ext cx="8316913" cy="1598612"/>
+          </a:xfrm>
+        </p:spPr>
         <p:txBody>
           <a:bodyPr/>
           <a:lstStyle/>
@@ -9475,10 +9480,15 @@
             <a:spLocks noGrp="1"/>
           </p:cNvSpPr>
           <p:nvPr>
-            <p:ph idx="1"/>
-          </p:nvPr>
-        </p:nvSpPr>
-        <p:spPr/>
+            <p:ph idx="4294967295"/>
+          </p:nvPr>
+        </p:nvSpPr>
+        <p:spPr>
+          <a:xfrm>
+            <a:off x="386862" y="1964079"/>
+            <a:ext cx="8316913" cy="4435475"/>
+          </a:xfrm>
+        </p:spPr>
         <p:txBody>
           <a:bodyPr>
             <a:normAutofit/>
@@ -9491,6 +9501,10 @@
             </a:pPr>
             <a:r>
               <a:rPr lang="en-US" dirty="0"/>
+              <a:t> </a:t>
+            </a:r>
+            <a:r>
+              <a:rPr lang="en-US" sz="2800" dirty="0"/>
               <a:t>How you solve the coding problem</a:t>
             </a:r>
           </a:p>
@@ -9500,7 +9514,7 @@
               <a:buChar char="-"/>
             </a:pPr>
             <a:r>
-              <a:rPr lang="en-US" dirty="0"/>
+              <a:rPr lang="en-US" sz="2400" dirty="0"/>
               <a:t>State problem, API first, talk through algorithm</a:t>
             </a:r>
           </a:p>
@@ -9510,7 +9524,7 @@
               <a:buChar char="-"/>
             </a:pPr>
             <a:r>
-              <a:rPr lang="en-US" dirty="0"/>
+              <a:rPr lang="en-US" sz="2400" dirty="0"/>
               <a:t>Corner cases, ‘fail the test’</a:t>
             </a:r>
           </a:p>
@@ -9520,7 +9534,7 @@
               <a:buChar char="-"/>
             </a:pPr>
             <a:r>
-              <a:rPr lang="en-US" dirty="0"/>
+              <a:rPr lang="en-US" sz="2400" dirty="0"/>
               <a:t>Don’t freeze, make progress</a:t>
             </a:r>
           </a:p>
@@ -9530,8 +9544,8 @@
               <a:buChar char="-"/>
             </a:pPr>
             <a:r>
-              <a:rPr lang="en-US" dirty="0"/>
-              <a:t>Improve algorithms</a:t>
+              <a:rPr lang="en-US" sz="2400" dirty="0"/>
+              <a:t>Improve algorithms, refactor</a:t>
             </a:r>
           </a:p>
           <a:p>
@@ -9540,7 +9554,7 @@
               <a:buChar char="-"/>
             </a:pPr>
             <a:r>
-              <a:rPr lang="en-US" dirty="0"/>
+              <a:rPr lang="en-US" sz="2400" dirty="0"/>
               <a:t>Space complexity vs time complexity tradeoff</a:t>
             </a:r>
           </a:p>
@@ -9551,6 +9565,10 @@
             </a:pPr>
             <a:r>
               <a:rPr lang="en-US" dirty="0"/>
+              <a:t> </a:t>
+            </a:r>
+            <a:r>
+              <a:rPr lang="en-US" sz="2800" dirty="0"/>
               <a:t>Talk tech</a:t>
             </a:r>
           </a:p>
@@ -9563,7 +9581,7 @@
               <a:buChar char="-"/>
             </a:pPr>
             <a:r>
-              <a:rPr lang="en-US" dirty="0">
+              <a:rPr lang="en-US" sz="2400" dirty="0">
                 <a:solidFill>
                   <a:srgbClr val="000000">
                     <a:lumMod val="75000"/>
@@ -9573,7 +9591,7 @@
               </a:rPr>
               <a:t>Managerial or architectural view</a:t>
             </a:r>
-            <a:endParaRPr lang="en-US" dirty="0"/>
+            <a:endParaRPr lang="en-US" sz="2400" dirty="0"/>
           </a:p>
           <a:p>
             <a:pPr marL="322542" lvl="1" indent="0">
@@ -9637,7 +9655,7 @@
         </p:nvSpPr>
         <p:spPr>
           <a:xfrm>
-            <a:off x="907256" y="836605"/>
+            <a:off x="295311" y="562285"/>
             <a:ext cx="8316516" cy="1553984"/>
           </a:xfrm>
         </p:spPr>
@@ -9682,7 +9700,12 @@
             <p:ph type="subTitle" idx="1"/>
           </p:nvPr>
         </p:nvSpPr>
-        <p:spPr/>
+        <p:spPr>
+          <a:xfrm>
+            <a:off x="984628" y="5066241"/>
+            <a:ext cx="8316516" cy="1259946"/>
+          </a:xfrm>
+        </p:spPr>
         <p:txBody>
           <a:bodyPr>
             <a:normAutofit fontScale="92500" lnSpcReduction="10000"/>
@@ -9691,7 +9714,7 @@
           <a:p>
             <a:r>
               <a:rPr lang="en-US" dirty="0"/>
-              <a:t>Success is based not on what you do but IS ATTRACTED by who you become</a:t>
+              <a:t>Success is CANNOT BE PERSUED but IS ATTRACTED by who you become</a:t>
             </a:r>
           </a:p>
           <a:p>
@@ -9724,8 +9747,8 @@
         </p:nvSpPr>
         <p:spPr>
           <a:xfrm>
-            <a:off x="907256" y="2512125"/>
-            <a:ext cx="5038725" cy="723853"/>
+            <a:off x="513360" y="2291999"/>
+            <a:ext cx="5038725" cy="863826"/>
           </a:xfrm>
           <a:prstGeom prst="rect">
             <a:avLst/>
@@ -9755,7 +9778,7 @@
               <a:buChar char="•"/>
             </a:pPr>
             <a:r>
-              <a:rPr lang="en-US" sz="2205" dirty="0">
+              <a:rPr lang="en-US" sz="2800" dirty="0">
                 <a:solidFill>
                   <a:srgbClr val="000000">
                     <a:lumMod val="75000"/>
@@ -9763,7 +9786,7 @@
                   </a:srgbClr>
                 </a:solidFill>
               </a:rPr>
-              <a:t>Personal Projects</a:t>
+              <a:t> Personal Projects</a:t>
             </a:r>
           </a:p>
           <a:p>
@@ -9784,7 +9807,7 @@
               <a:buChar char="-"/>
             </a:pPr>
             <a:r>
-              <a:rPr lang="en-US" sz="1984" dirty="0" err="1">
+              <a:rPr lang="en-US" sz="2400" dirty="0" err="1">
                 <a:solidFill>
                   <a:srgbClr val="000000">
                     <a:lumMod val="75000"/>
@@ -9795,7 +9818,7 @@
               <a:t>Github</a:t>
             </a:r>
             <a:r>
-              <a:rPr lang="en-US" sz="1984" dirty="0">
+              <a:rPr lang="en-US" sz="2400" dirty="0">
                 <a:solidFill>
                   <a:srgbClr val="000000">
                     <a:lumMod val="75000"/>
@@ -9890,79 +9913,79 @@
         </p:nvSpPr>
         <p:spPr>
           <a:xfrm>
-            <a:off x="236170" y="1879600"/>
+            <a:off x="338110" y="1563688"/>
             <a:ext cx="8644305" cy="4670425"/>
           </a:xfrm>
         </p:spPr>
         <p:txBody>
           <a:bodyPr>
-            <a:normAutofit fontScale="92500" lnSpcReduction="10000"/>
+            <a:normAutofit fontScale="92500" lnSpcReduction="20000"/>
           </a:bodyPr>
           <a:lstStyle/>
           <a:p>
-            <a:pPr lvl="0">
+            <a:pPr>
               <a:buSzPct val="45000"/>
-              <a:buFont typeface="StarSymbol"/>
+              <a:buFont typeface="Calibri" panose="020F0502020204030204" pitchFamily="34" charset="0"/>
               <a:buChar char="●"/>
             </a:pPr>
             <a:r>
-              <a:rPr lang="en-US" dirty="0"/>
+              <a:rPr lang="en-US" sz="2600" dirty="0"/>
               <a:t>Non-hinting cloud IDE- www.codebunk.com</a:t>
             </a:r>
           </a:p>
           <a:p>
-            <a:pPr lvl="0">
+            <a:pPr>
               <a:buSzPct val="45000"/>
-              <a:buFont typeface="StarSymbol"/>
+              <a:buFont typeface="Calibri" panose="020F0502020204030204" pitchFamily="34" charset="0"/>
               <a:buChar char="●"/>
             </a:pPr>
             <a:r>
-              <a:rPr lang="en-US" dirty="0"/>
+              <a:rPr lang="en-US" sz="2600" dirty="0"/>
               <a:t>N-back game for improving short term memory</a:t>
             </a:r>
             <a:br>
-              <a:rPr lang="en-US" dirty="0"/>
+              <a:rPr lang="en-US" sz="2600" dirty="0"/>
             </a:br>
             <a:r>
-              <a:rPr lang="en-US" dirty="0"/>
+              <a:rPr lang="en-US" sz="2600" dirty="0"/>
               <a:t>en.wikipedia.org/wiki/N-back</a:t>
             </a:r>
             <a:br>
-              <a:rPr lang="en-US" dirty="0"/>
+              <a:rPr lang="en-US" sz="2600" dirty="0"/>
             </a:br>
             <a:r>
-              <a:rPr lang="en-US" dirty="0"/>
+              <a:rPr lang="en-US" sz="2600" dirty="0"/>
               <a:t>brainworkshop.sourceforge.net/tutorial.html</a:t>
             </a:r>
           </a:p>
           <a:p>
-            <a:pPr lvl="0">
+            <a:pPr>
               <a:buSzPct val="45000"/>
-              <a:buFont typeface="StarSymbol"/>
+              <a:buFont typeface="Calibri" panose="020F0502020204030204" pitchFamily="34" charset="0"/>
               <a:buChar char="●"/>
             </a:pPr>
             <a:r>
-              <a:rPr lang="en-US" dirty="0"/>
+              <a:rPr lang="en-US" sz="2600" dirty="0"/>
               <a:t>Google coding interview</a:t>
             </a:r>
             <a:br>
-              <a:rPr lang="en-US" dirty="0"/>
+              <a:rPr lang="en-US" sz="2600" dirty="0"/>
             </a:br>
             <a:r>
-              <a:rPr lang="en-US" dirty="0">
+              <a:rPr lang="en-US" sz="2600" dirty="0">
                 <a:hlinkClick r:id="rId3"/>
               </a:rPr>
               <a:t>https://www.youtube.com/watch?v=XKu_SEDAykw</a:t>
             </a:r>
           </a:p>
           <a:p>
-            <a:pPr lvl="0">
+            <a:pPr>
               <a:buSzPct val="45000"/>
-              <a:buFont typeface="StarSymbol"/>
+              <a:buFont typeface="Calibri" panose="020F0502020204030204" pitchFamily="34" charset="0"/>
               <a:buChar char="●"/>
             </a:pPr>
             <a:r>
-              <a:rPr lang="en-US" dirty="0">
+              <a:rPr lang="en-US" sz="2600" dirty="0">
                 <a:solidFill>
                   <a:schemeClr val="bg2">
                     <a:lumMod val="50000"/>
@@ -9979,7 +10002,7 @@
               <a:t>A Software Agent Model of Consciousness </a:t>
             </a:r>
             <a:r>
-              <a:rPr lang="en-US" dirty="0">
+              <a:rPr lang="en-US" sz="2600" dirty="0">
                 <a:solidFill>
                   <a:schemeClr val="bg2">
                     <a:lumMod val="50000"/>
@@ -9989,19 +10012,19 @@
               <a:t> </a:t>
             </a:r>
             <a:r>
-              <a:rPr lang="en-US" dirty="0"/>
+              <a:rPr lang="en-US" sz="2600" dirty="0"/>
               <a:t>- </a:t>
             </a:r>
             <a:r>
-              <a:rPr lang="en-US" dirty="0" err="1"/>
+              <a:rPr lang="en-US" sz="2600" dirty="0" err="1"/>
               <a:t>Graesser</a:t>
             </a:r>
             <a:r>
-              <a:rPr lang="en-US" dirty="0"/>
+              <a:rPr lang="en-US" sz="2600" dirty="0"/>
               <a:t> and Franklin, </a:t>
             </a:r>
             <a:r>
-              <a:rPr lang="en-US" i="1" dirty="0">
+              <a:rPr lang="en-US" sz="2600" i="1" dirty="0">
                 <a:solidFill>
                   <a:schemeClr val="tx1"/>
                 </a:solidFill>
@@ -10010,32 +10033,32 @@
               <a:t>Consciousness and Cognition</a:t>
             </a:r>
             <a:r>
-              <a:rPr lang="en-US" dirty="0"/>
+              <a:rPr lang="en-US" sz="2600" dirty="0"/>
               <a:t>, 1999. </a:t>
             </a:r>
             <a:br>
-              <a:rPr lang="en-US" dirty="0"/>
+              <a:rPr lang="en-US" sz="2600" dirty="0"/>
             </a:br>
             <a:r>
-              <a:rPr lang="en-US" dirty="0"/>
+              <a:rPr lang="en-US" sz="2600" dirty="0"/>
               <a:t>Takeaway- Automating a task through </a:t>
             </a:r>
             <a:r>
-              <a:rPr lang="en-US" dirty="0" err="1"/>
+              <a:rPr lang="en-US" sz="2600" dirty="0" err="1"/>
               <a:t>overpractice</a:t>
             </a:r>
             <a:r>
-              <a:rPr lang="en-US" dirty="0"/>
+              <a:rPr lang="en-US" sz="2600" dirty="0"/>
               <a:t> reduces load on the conscious attention needed for problem solving.</a:t>
             </a:r>
             <a:br>
-              <a:rPr lang="en-US" dirty="0"/>
+              <a:rPr lang="en-US" sz="2600" dirty="0"/>
             </a:br>
             <a:br>
-              <a:rPr lang="en-US" dirty="0"/>
+              <a:rPr lang="en-US" sz="2600" dirty="0"/>
             </a:br>
             <a:r>
-              <a:rPr lang="en-US" dirty="0"/>
+              <a:rPr lang="en-US" sz="2600" dirty="0"/>
               <a:t>http://ccrg.cs.memphis.edu/assets/papers/Modeling%20Consciousness%20and%20Cognition%20in.doc</a:t>
             </a:r>
             <a:br>
@@ -10197,7 +10220,11 @@
             </a:pPr>
             <a:r>
               <a:rPr lang="en-US" sz="2400" dirty="0"/>
-              <a:t> Software agent model of cognition</a:t>
+              <a:t> </a:t>
+            </a:r>
+            <a:r>
+              <a:rPr lang="en-US" sz="2800" dirty="0"/>
+              <a:t>Software agent model of cognition</a:t>
             </a:r>
           </a:p>
           <a:p>
@@ -10207,7 +10234,7 @@
               <a:buChar char="●"/>
             </a:pPr>
             <a:r>
-              <a:rPr lang="en-US" sz="2400" dirty="0"/>
+              <a:rPr lang="en-US" sz="2800" dirty="0"/>
               <a:t> Short term memory as a workspace</a:t>
             </a:r>
           </a:p>
@@ -10218,12 +10245,42 @@
               <a:buChar char="●"/>
             </a:pPr>
             <a:r>
-              <a:rPr lang="en-US" sz="2400" dirty="0"/>
+              <a:rPr lang="en-US" sz="2800" dirty="0"/>
               <a:t> New situations increases cognitive load</a:t>
             </a:r>
           </a:p>
         </p:txBody>
       </p:sp>
+      <p:pic>
+        <p:nvPicPr>
+          <p:cNvPr id="4" name="Picture 3">
+            <a:extLst>
+              <a:ext uri="{FF2B5EF4-FFF2-40B4-BE49-F238E27FC236}">
+                <a16:creationId xmlns:a16="http://schemas.microsoft.com/office/drawing/2014/main" id="{FD0C644B-ACD2-486C-96E9-AD2D87DDB4DE}"/>
+              </a:ext>
+            </a:extLst>
+          </p:cNvPr>
+          <p:cNvPicPr>
+            <a:picLocks noChangeAspect="1"/>
+          </p:cNvPicPr>
+          <p:nvPr/>
+        </p:nvPicPr>
+        <p:blipFill>
+          <a:blip r:embed="rId3"/>
+          <a:stretch>
+            <a:fillRect/>
+          </a:stretch>
+        </p:blipFill>
+        <p:spPr>
+          <a:xfrm>
+            <a:off x="6222159" y="3252413"/>
+            <a:ext cx="2286000" cy="2286000"/>
+          </a:xfrm>
+          <a:prstGeom prst="rect">
+            <a:avLst/>
+          </a:prstGeom>
+        </p:spPr>
+      </p:pic>
     </p:spTree>
   </p:cSld>
   <p:clrMapOvr>
@@ -10510,7 +10567,7 @@
               <a:buChar char="●"/>
             </a:pPr>
             <a:r>
-              <a:rPr lang="en-US" sz="2400" dirty="0"/>
+              <a:rPr lang="en-US" sz="2800" dirty="0"/>
               <a:t> Software agent model of cognition</a:t>
             </a:r>
           </a:p>
@@ -10521,7 +10578,7 @@
               <a:buChar char="●"/>
             </a:pPr>
             <a:r>
-              <a:rPr lang="en-US" sz="2400" dirty="0"/>
+              <a:rPr lang="en-US" sz="2800" dirty="0"/>
               <a:t> Short term memory as a workspace</a:t>
             </a:r>
           </a:p>
@@ -10532,7 +10589,7 @@
               <a:buChar char="●"/>
             </a:pPr>
             <a:r>
-              <a:rPr lang="en-US" sz="2400" dirty="0"/>
+              <a:rPr lang="en-US" sz="2800" dirty="0"/>
               <a:t> New situations increases cognitive load</a:t>
             </a:r>
           </a:p>
@@ -10666,7 +10723,17 @@
               <a:rPr lang="en-US" sz="2400" dirty="0"/>
               <a:t> Lower problem solving performance</a:t>
             </a:r>
-            <a:endParaRPr lang="en-US" dirty="0"/>
+          </a:p>
+          <a:p>
+            <a:pPr>
+              <a:buSzPct val="45000"/>
+              <a:buFont typeface="StarSymbol"/>
+              <a:buChar char="●"/>
+            </a:pPr>
+            <a:r>
+              <a:rPr lang="en-US" sz="2400" dirty="0"/>
+              <a:t> Negative feedback loop vs virtuous feedback loop</a:t>
+            </a:r>
           </a:p>
         </p:txBody>
       </p:sp>
@@ -10765,7 +10832,7 @@
               <a:buChar char="●"/>
             </a:pPr>
             <a:r>
-              <a:rPr lang="en-US" sz="2400" dirty="0">
+              <a:rPr lang="en-US" sz="2800" dirty="0">
                 <a:highlight>
                   <a:scrgbClr r="0" g="0" b="0">
                     <a:alpha val="0"/>
@@ -10782,7 +10849,7 @@
               <a:buChar char="●"/>
             </a:pPr>
             <a:r>
-              <a:rPr lang="en-US" sz="2400" dirty="0">
+              <a:rPr lang="en-US" sz="2800" dirty="0">
                 <a:highlight>
                   <a:scrgbClr r="0" g="0" b="0">
                     <a:alpha val="0"/>
@@ -10799,7 +10866,7 @@
               <a:buChar char="●"/>
             </a:pPr>
             <a:r>
-              <a:rPr lang="en-US" sz="2400" dirty="0">
+              <a:rPr lang="en-US" sz="2800" dirty="0">
                 <a:highlight>
                   <a:scrgbClr r="0" g="0" b="0">
                     <a:alpha val="0"/>
@@ -10887,7 +10954,7 @@
         <p:spPr>
           <a:xfrm>
             <a:off x="296725" y="1608457"/>
-            <a:ext cx="9111913" cy="2369880"/>
+            <a:ext cx="9111913" cy="2646878"/>
           </a:xfrm>
           <a:prstGeom prst="rect">
             <a:avLst/>
@@ -10914,7 +10981,7 @@
               <a:buChar char="●"/>
             </a:pPr>
             <a:r>
-              <a:rPr lang="en-US" sz="2400" dirty="0">
+              <a:rPr lang="en-US" sz="2800" dirty="0">
                 <a:highlight>
                   <a:scrgbClr r="0" g="0" b="0">
                     <a:alpha val="0"/>
@@ -10942,7 +11009,7 @@
               <a:buChar char="●"/>
             </a:pPr>
             <a:r>
-              <a:rPr lang="en-US" sz="2400" dirty="0" err="1">
+              <a:rPr lang="en-US" sz="2800" dirty="0" err="1">
                 <a:highlight>
                   <a:scrgbClr r="0" g="0" b="0">
                     <a:alpha val="0"/>
@@ -10954,7 +11021,7 @@
               <a:t>Overpractice</a:t>
             </a:r>
             <a:r>
-              <a:rPr lang="en-US" sz="2400" dirty="0">
+              <a:rPr lang="en-US" sz="2800" dirty="0">
                 <a:highlight>
                   <a:scrgbClr r="0" g="0" b="0">
                     <a:alpha val="0"/>
@@ -10982,7 +11049,7 @@
               <a:buChar char="●"/>
             </a:pPr>
             <a:r>
-              <a:rPr lang="en-US" sz="2400" dirty="0">
+              <a:rPr lang="en-US" sz="2800" dirty="0">
                 <a:highlight>
                   <a:scrgbClr r="0" g="0" b="0">
                     <a:alpha val="0"/>
@@ -11010,7 +11077,7 @@
               <a:buChar char="●"/>
             </a:pPr>
             <a:r>
-              <a:rPr lang="en-US" sz="2400" dirty="0">
+              <a:rPr lang="en-US" sz="2800" dirty="0">
                 <a:highlight>
                   <a:scrgbClr r="0" g="0" b="0">
                     <a:alpha val="0"/>
@@ -11038,7 +11105,7 @@
               <a:buChar char="●"/>
             </a:pPr>
             <a:r>
-              <a:rPr lang="en-US" sz="2400" dirty="0">
+              <a:rPr lang="en-US" sz="2800" dirty="0">
                 <a:highlight>
                   <a:scrgbClr r="0" g="0" b="0">
                     <a:alpha val="0"/>
@@ -11100,8 +11167,8 @@
         </p:nvSpPr>
         <p:spPr>
           <a:xfrm>
-            <a:off x="115057" y="773151"/>
-            <a:ext cx="8957506" cy="790537"/>
+            <a:off x="115057" y="837977"/>
+            <a:ext cx="8957506" cy="725711"/>
           </a:xfrm>
         </p:spPr>
         <p:txBody>
@@ -11112,7 +11179,7 @@
           <a:p>
             <a:pPr lvl="0"/>
             <a:r>
-              <a:rPr lang="en-US" dirty="0"/>
+              <a:rPr lang="en-US" sz="4800" dirty="0"/>
               <a:t>The Coding Interview</a:t>
             </a:r>
           </a:p>
@@ -11153,7 +11220,11 @@
             </a:pPr>
             <a:r>
               <a:rPr lang="en-US" sz="2400" dirty="0"/>
-              <a:t> Coding interview is a collaborative problem solving exercise</a:t>
+              <a:t> </a:t>
+            </a:r>
+            <a:r>
+              <a:rPr lang="en-US" sz="2800" dirty="0"/>
+              <a:t>Coding interview is a collaborative problem solving exercise</a:t>
             </a:r>
           </a:p>
           <a:p>
@@ -11163,7 +11234,7 @@
               <a:buChar char="●"/>
             </a:pPr>
             <a:r>
-              <a:rPr lang="en-US" sz="2400" dirty="0"/>
+              <a:rPr lang="en-US" sz="2800" dirty="0"/>
               <a:t> Not algorithm memorization</a:t>
             </a:r>
           </a:p>
@@ -11174,18 +11245,40 @@
               <a:buChar char="●"/>
             </a:pPr>
             <a:r>
+              <a:rPr lang="en-US" sz="2800" dirty="0"/>
+              <a:t> Master the simple things. Don’t cram advanced topics.</a:t>
+            </a:r>
+          </a:p>
+          <a:p>
+            <a:pPr marL="221747" lvl="1" indent="0">
+              <a:buSzPct val="45000"/>
+              <a:buNone/>
+            </a:pPr>
+            <a:r>
+              <a:rPr lang="en-US" sz="2800" b="1" dirty="0">
+                <a:solidFill>
+                  <a:schemeClr val="accent1"/>
+                </a:solidFill>
+              </a:rPr>
+              <a:t>-</a:t>
+            </a:r>
+            <a:r>
+              <a:rPr lang="en-US" sz="2800" b="1" dirty="0"/>
+              <a:t> </a:t>
+            </a:r>
+            <a:r>
               <a:rPr lang="en-US" sz="2400" dirty="0"/>
-              <a:t> Master the simple things rather than cram for advanced topics.</a:t>
-            </a:r>
-          </a:p>
-          <a:p>
-            <a:pPr lvl="0">
+              <a:t>Understand the basics well</a:t>
+            </a:r>
+          </a:p>
+          <a:p>
+            <a:pPr>
               <a:buSzPct val="45000"/>
               <a:buFont typeface="StarSymbol"/>
               <a:buChar char="●"/>
             </a:pPr>
             <a:r>
-              <a:rPr lang="en-US" sz="2400" dirty="0"/>
+              <a:rPr lang="en-US" sz="2800" dirty="0"/>
               <a:t> Take initiative in driving the problem solving</a:t>
             </a:r>
           </a:p>
@@ -11285,7 +11378,11 @@
             </a:pPr>
             <a:r>
               <a:rPr lang="en-US" sz="2400" dirty="0"/>
-              <a:t> Create your own coding interview</a:t>
+              <a:t> </a:t>
+            </a:r>
+            <a:r>
+              <a:rPr lang="en-US" sz="2800" dirty="0"/>
+              <a:t>Create your own coding interview</a:t>
             </a:r>
           </a:p>
           <a:p>
@@ -11295,7 +11392,7 @@
               <a:buChar char="●"/>
             </a:pPr>
             <a:r>
-              <a:rPr lang="en-US" sz="2400" dirty="0"/>
+              <a:rPr lang="en-US" sz="2800" dirty="0"/>
               <a:t> Backwards (in context) thinking</a:t>
             </a:r>
           </a:p>
@@ -11306,15 +11403,15 @@
               <a:buChar char="●"/>
             </a:pPr>
             <a:r>
-              <a:rPr lang="en-US" sz="2400" dirty="0"/>
+              <a:rPr lang="en-US" sz="2800" dirty="0"/>
               <a:t> </a:t>
             </a:r>
             <a:r>
-              <a:rPr lang="en-US" sz="2400" dirty="0" err="1"/>
+              <a:rPr lang="en-US" sz="2800" dirty="0" err="1"/>
               <a:t>Overpractive</a:t>
             </a:r>
             <a:r>
-              <a:rPr lang="en-US" sz="2400" dirty="0"/>
+              <a:rPr lang="en-US" sz="2800" dirty="0"/>
               <a:t> simpler algorithms rather than going to more complex ones.</a:t>
             </a:r>
           </a:p>
@@ -11325,8 +11422,19 @@
               <a:buChar char="●"/>
             </a:pPr>
             <a:r>
-              <a:rPr lang="en-US" sz="2400" dirty="0"/>
-              <a:t>Practice with non-hinting cloud IDEs (codebunk.com) AND whiteboarding.</a:t>
+              <a:rPr lang="en-US" sz="2800" dirty="0"/>
+              <a:t> Practice with non-hinting cloud IDEs (codebunk.com) AND whiteboarding.</a:t>
+            </a:r>
+          </a:p>
+          <a:p>
+            <a:pPr lvl="0">
+              <a:buSzPct val="45000"/>
+              <a:buFont typeface="Calibri" panose="020F0502020204030204" pitchFamily="34" charset="0"/>
+              <a:buChar char="●"/>
+            </a:pPr>
+            <a:r>
+              <a:rPr lang="en-US" sz="2800" dirty="0"/>
+              <a:t> Read the Java source comments</a:t>
             </a:r>
           </a:p>
         </p:txBody>

--- a/presentationSlides3.pptx
+++ b/presentationSlides3.pptx
@@ -5,10 +5,10 @@
     <p:sldMasterId id="2147483839" r:id="rId1"/>
   </p:sldMasterIdLst>
   <p:notesMasterIdLst>
-    <p:notesMasterId r:id="rId14"/>
+    <p:notesMasterId r:id="rId15"/>
   </p:notesMasterIdLst>
   <p:handoutMasterIdLst>
-    <p:handoutMasterId r:id="rId15"/>
+    <p:handoutMasterId r:id="rId16"/>
   </p:handoutMasterIdLst>
   <p:sldIdLst>
     <p:sldId id="256" r:id="rId2"/>
@@ -20,9 +20,10 @@
     <p:sldId id="263" r:id="rId8"/>
     <p:sldId id="260" r:id="rId9"/>
     <p:sldId id="261" r:id="rId10"/>
-    <p:sldId id="267" r:id="rId11"/>
-    <p:sldId id="266" r:id="rId12"/>
-    <p:sldId id="262" r:id="rId13"/>
+    <p:sldId id="268" r:id="rId11"/>
+    <p:sldId id="267" r:id="rId12"/>
+    <p:sldId id="266" r:id="rId13"/>
+    <p:sldId id="262" r:id="rId14"/>
   </p:sldIdLst>
   <p:sldSz cx="10080625" cy="7559675"/>
   <p:notesSz cx="7772400" cy="10058400"/>
@@ -880,7 +881,7 @@
 <dgm:dataModel xmlns:dgm="http://schemas.openxmlformats.org/drawingml/2006/diagram" xmlns:a="http://schemas.openxmlformats.org/drawingml/2006/main">
   <dgm:ptLst>
     <dgm:pt modelId="{FA22B1C4-2EB4-4709-B2B7-751708137984}" type="doc">
-      <dgm:prSet loTypeId="urn:microsoft.com/office/officeart/2008/layout/LinedList" loCatId="list" qsTypeId="urn:microsoft.com/office/officeart/2005/8/quickstyle/simple2" qsCatId="simple" csTypeId="urn:microsoft.com/office/officeart/2005/8/colors/accent3_2" csCatId="accent3"/>
+      <dgm:prSet loTypeId="urn:microsoft.com/office/officeart/2008/layout/LinedList" loCatId="list" qsTypeId="urn:microsoft.com/office/officeart/2005/8/quickstyle/simple2" qsCatId="simple" csTypeId="urn:microsoft.com/office/officeart/2005/8/colors/accent3_2" csCatId="accent3" phldr="1"/>
       <dgm:spPr/>
       <dgm:t>
         <a:bodyPr/>
@@ -898,7 +899,7 @@
         <a:lstStyle/>
         <a:p>
           <a:r>
-            <a:rPr lang="en-US"/>
+            <a:rPr lang="en-US" dirty="0"/>
             <a:t>Aaron Patula</a:t>
           </a:r>
         </a:p>
@@ -1195,7 +1196,7 @@
             <a:buNone/>
           </a:pPr>
           <a:r>
-            <a:rPr lang="en-US" sz="3400" kern="1200"/>
+            <a:rPr lang="en-US" sz="3400" kern="1200" dirty="0"/>
             <a:t>Aaron Patula</a:t>
           </a:r>
         </a:p>
@@ -3793,7 +3794,7 @@
             <a:pPr lvl="0"/>
             <a:fld id="{80923FD0-E349-4EFB-B4FF-16F06AF1FCB2}" type="slidenum">
               <a:rPr lang="en-US" smtClean="0"/>
-              <a:t>11</a:t>
+              <a:t>12</a:t>
             </a:fld>
             <a:endParaRPr lang="en-US"/>
           </a:p>
@@ -3856,7 +3857,7 @@
           <a:p>
             <a:pPr lvl="0"/>
             <a:fld id="{4F70C0C8-E435-4137-91AF-3FA2CD67DEBC}" type="slidenum">
-              <a:t>12</a:t>
+              <a:t>13</a:t>
             </a:fld>
             <a:endParaRPr lang="en-US"/>
           </a:p>
@@ -4743,6 +4744,89 @@
             </a:r>
           </a:p>
           <a:p>
+            <a:pPr marL="216000" marR="0" lvl="0" indent="-216000" defTabSz="914400" rtl="0" eaLnBrk="1" fontAlgn="auto" latinLnBrk="0" hangingPunct="0">
+              <a:lnSpc>
+                <a:spcPct val="100000"/>
+              </a:lnSpc>
+              <a:spcBef>
+                <a:spcPts val="0"/>
+              </a:spcBef>
+              <a:spcAft>
+                <a:spcPts val="0"/>
+              </a:spcAft>
+              <a:buClrTx/>
+              <a:buSzTx/>
+              <a:buFontTx/>
+              <a:buNone/>
+              <a:tabLst/>
+              <a:defRPr/>
+            </a:pPr>
+            <a:r>
+              <a:rPr lang="en-US" sz="2000" dirty="0">
+                <a:latin typeface="Liberation Sans" pitchFamily="18"/>
+              </a:rPr>
+              <a:t>you recall info in the context in which it is studied</a:t>
+            </a:r>
+          </a:p>
+          <a:p>
+            <a:pPr marL="216000" marR="0" lvl="0" indent="-216000" defTabSz="914400" rtl="0" eaLnBrk="1" fontAlgn="auto" latinLnBrk="0" hangingPunct="0">
+              <a:lnSpc>
+                <a:spcPct val="100000"/>
+              </a:lnSpc>
+              <a:spcBef>
+                <a:spcPts val="0"/>
+              </a:spcBef>
+              <a:spcAft>
+                <a:spcPts val="0"/>
+              </a:spcAft>
+              <a:buClrTx/>
+              <a:buSzTx/>
+              <a:buFontTx/>
+              <a:buNone/>
+              <a:tabLst/>
+              <a:defRPr/>
+            </a:pPr>
+            <a:r>
+              <a:rPr lang="en-US" sz="2000" dirty="0">
+                <a:highlight>
+                  <a:scrgbClr r="0" g="0" b="0">
+                    <a:alpha val="0"/>
+                  </a:scrgbClr>
+                </a:highlight>
+                <a:latin typeface="Calibri" panose="020F0502020204030204" pitchFamily="34" charset="0"/>
+                <a:cs typeface="Calibri" panose="020F0502020204030204" pitchFamily="34" charset="0"/>
+              </a:rPr>
+              <a:t>Start at the API and corner cases</a:t>
+            </a:r>
+          </a:p>
+          <a:p>
+            <a:pPr marL="216000" marR="0" lvl="0" indent="-216000" defTabSz="914400" rtl="0" eaLnBrk="1" fontAlgn="auto" latinLnBrk="0" hangingPunct="0">
+              <a:lnSpc>
+                <a:spcPct val="100000"/>
+              </a:lnSpc>
+              <a:spcBef>
+                <a:spcPts val="0"/>
+              </a:spcBef>
+              <a:spcAft>
+                <a:spcPts val="0"/>
+              </a:spcAft>
+              <a:buClrTx/>
+              <a:buSzTx/>
+              <a:buFontTx/>
+              <a:buNone/>
+              <a:tabLst/>
+              <a:defRPr/>
+            </a:pPr>
+            <a:endParaRPr lang="en-US" sz="2000" dirty="0">
+              <a:highlight>
+                <a:scrgbClr r="0" g="0" b="0">
+                  <a:alpha val="0"/>
+                </a:scrgbClr>
+              </a:highlight>
+              <a:latin typeface="Liberation Sans" pitchFamily="18"/>
+            </a:endParaRPr>
+          </a:p>
+          <a:p>
             <a:endParaRPr lang="en-US" dirty="0"/>
           </a:p>
         </p:txBody>
@@ -4989,6 +5073,38 @@
               </a:rPr>
               <a:t>with you taking the initiative as opposed to you getting the answer right</a:t>
             </a:r>
+          </a:p>
+          <a:p>
+            <a:pPr marL="216000" marR="0" lvl="0" indent="-216000" defTabSz="914400" rtl="0" eaLnBrk="1" fontAlgn="auto" latinLnBrk="0" hangingPunct="0">
+              <a:lnSpc>
+                <a:spcPct val="100000"/>
+              </a:lnSpc>
+              <a:spcBef>
+                <a:spcPts val="0"/>
+              </a:spcBef>
+              <a:spcAft>
+                <a:spcPts val="0"/>
+              </a:spcAft>
+              <a:buClrTx/>
+              <a:buSzTx/>
+              <a:buFontTx/>
+              <a:buNone/>
+              <a:tabLst/>
+              <a:defRPr/>
+            </a:pPr>
+            <a:r>
+              <a:rPr lang="en-US" sz="2000" dirty="0">
+                <a:highlight>
+                  <a:scrgbClr r="0" g="0" b="0">
+                    <a:alpha val="0"/>
+                  </a:scrgbClr>
+                </a:highlight>
+              </a:rPr>
+              <a:t>Understand the basics well</a:t>
+            </a:r>
+          </a:p>
+          <a:p>
+            <a:pPr lvl="0"/>
             <a:endParaRPr lang="en-US" dirty="0"/>
           </a:p>
         </p:txBody>
@@ -5104,7 +5220,76 @@
           <a:bodyPr/>
           <a:lstStyle/>
           <a:p>
-            <a:endParaRPr lang="en-US"/>
+            <a:r>
+              <a:rPr lang="en-US" dirty="0">
+                <a:highlight>
+                  <a:scrgbClr r="0" g="0" b="0">
+                    <a:alpha val="0"/>
+                  </a:scrgbClr>
+                </a:highlight>
+              </a:rPr>
+              <a:t>public char[] toCharArray()</a:t>
+            </a:r>
+            <a:r>
+              <a:rPr lang="en-US" sz="2000" b="0" i="0" u="none" strike="noStrike" kern="1200" cap="none" dirty="0">
+                <a:ln>
+                  <a:noFill/>
+                </a:ln>
+                <a:effectLst/>
+                <a:highlight>
+                  <a:scrgbClr r="0" g="0" b="0">
+                    <a:alpha val="0"/>
+                  </a:scrgbClr>
+                </a:highlight>
+                <a:latin typeface="Liberation Sans" pitchFamily="18"/>
+              </a:rPr>
+              <a:t>Converts this string to a new character array.</a:t>
+            </a:r>
+          </a:p>
+          <a:p>
+            <a:r>
+              <a:rPr lang="en-US" b="1" dirty="0" err="1">
+                <a:effectLst/>
+                <a:highlight>
+                  <a:scrgbClr r="0" g="0" b="0">
+                    <a:alpha val="0"/>
+                  </a:scrgbClr>
+                </a:highlight>
+              </a:rPr>
+              <a:t>Returns:</a:t>
+            </a:r>
+            <a:r>
+              <a:rPr lang="en-US" dirty="0" err="1">
+                <a:highlight>
+                  <a:scrgbClr r="0" g="0" b="0">
+                    <a:alpha val="0"/>
+                  </a:scrgbClr>
+                </a:highlight>
+              </a:rPr>
+              <a:t>a</a:t>
+            </a:r>
+            <a:r>
+              <a:rPr lang="en-US" dirty="0">
+                <a:highlight>
+                  <a:scrgbClr r="0" g="0" b="0">
+                    <a:alpha val="0"/>
+                  </a:scrgbClr>
+                </a:highlight>
+              </a:rPr>
+              <a:t> newly allocated character array whose length is the length of this string and whose contents are initialized to contain the character sequence represented by this string.</a:t>
+            </a:r>
+          </a:p>
+          <a:p>
+            <a:endParaRPr lang="en-US" dirty="0">
+              <a:highlight>
+                <a:scrgbClr r="0" g="0" b="0">
+                  <a:alpha val="0"/>
+                </a:scrgbClr>
+              </a:highlight>
+            </a:endParaRPr>
+          </a:p>
+          <a:p>
+            <a:endParaRPr lang="en-US" dirty="0"/>
           </a:p>
         </p:txBody>
       </p:sp>
@@ -5166,12 +5351,8 @@
           <a:lstStyle/>
           <a:p>
             <a:r>
-              <a:rPr lang="en-US" dirty="0" err="1"/>
-              <a:t>Github</a:t>
-            </a:r>
-            <a:r>
               <a:rPr lang="en-US" dirty="0"/>
-              <a:t>, cloud, blog, twitter</a:t>
+              <a:t>Github, cloud, blog, twitter</a:t>
             </a:r>
           </a:p>
           <a:p>
@@ -5269,7 +5450,7 @@
             <a:pPr lvl="0"/>
             <a:fld id="{80923FD0-E349-4EFB-B4FF-16F06AF1FCB2}" type="slidenum">
               <a:rPr lang="en-US" smtClean="0"/>
-              <a:t>10</a:t>
+              <a:t>11</a:t>
             </a:fld>
             <a:endParaRPr lang="en-US"/>
           </a:p>
@@ -9296,8 +9477,8 @@
         </p:nvSpPr>
         <p:spPr>
           <a:xfrm>
-            <a:off x="394908" y="880099"/>
-            <a:ext cx="2550620" cy="3323892"/>
+            <a:off x="394907" y="880099"/>
+            <a:ext cx="2594477" cy="3323892"/>
           </a:xfrm>
         </p:spPr>
         <p:txBody>
@@ -9386,13 +9567,13 @@
           <p:nvPr>
             <p:extLst>
               <p:ext uri="{D42A27DB-BD31-4B8C-83A1-F6EECF244321}">
-                <p14:modId xmlns:p14="http://schemas.microsoft.com/office/powerpoint/2010/main" val="2702440363"/>
+                <p14:modId xmlns:p14="http://schemas.microsoft.com/office/powerpoint/2010/main" val="2392075869"/>
               </p:ext>
             </p:extLst>
           </p:nvPr>
         </p:nvGraphicFramePr>
         <p:xfrm>
-          <a:off x="3607276" y="84779"/>
+          <a:off x="3607276" y="689690"/>
           <a:ext cx="5620474" cy="5286070"/>
         </p:xfrm>
         <a:graphic>
@@ -9428,189 +9609,148 @@
       </p:grpSpPr>
       <p:sp>
         <p:nvSpPr>
-          <p:cNvPr id="2" name="Title 1">
+          <p:cNvPr id="4" name="Rectangle 3">
             <a:extLst>
               <a:ext uri="{FF2B5EF4-FFF2-40B4-BE49-F238E27FC236}">
-                <a16:creationId xmlns:a16="http://schemas.microsoft.com/office/drawing/2014/main" id="{1DD7B33F-B2D7-49C5-A92B-A2C79F8ADB9B}"/>
+                <a16:creationId xmlns:a16="http://schemas.microsoft.com/office/drawing/2014/main" id="{E205A51A-2E33-4A06-9C17-876BC8265C87}"/>
               </a:ext>
             </a:extLst>
           </p:cNvPr>
-          <p:cNvSpPr>
-            <a:spLocks noGrp="1"/>
-          </p:cNvSpPr>
-          <p:nvPr>
-            <p:ph type="title" idx="4294967295"/>
-          </p:nvPr>
+          <p:cNvSpPr/>
+          <p:nvPr/>
         </p:nvSpPr>
         <p:spPr>
           <a:xfrm>
-            <a:off x="225083" y="241276"/>
-            <a:ext cx="8316913" cy="1598612"/>
+            <a:off x="298255" y="1311020"/>
+            <a:ext cx="7966515" cy="3693319"/>
           </a:xfrm>
+          <a:prstGeom prst="rect">
+            <a:avLst/>
+          </a:prstGeom>
         </p:spPr>
         <p:txBody>
-          <a:bodyPr/>
+          <a:bodyPr wrap="square">
+            <a:spAutoFit/>
+          </a:bodyPr>
           <a:lstStyle/>
           <a:p>
             <a:r>
-              <a:rPr lang="en-US" sz="4800" dirty="0"/>
-              <a:t>What Interviewers </a:t>
-            </a:r>
-            <a:br>
-              <a:rPr lang="en-US" sz="4800" dirty="0"/>
-            </a:br>
-            <a:r>
-              <a:rPr lang="en-US" sz="4800" dirty="0"/>
-              <a:t>Really Want</a:t>
-            </a:r>
-            <a:endParaRPr lang="en-US" dirty="0"/>
+              <a:rPr lang="en-US" dirty="0"/>
+              <a:t> /**</a:t>
+            </a:r>
+          </a:p>
+          <a:p>
+            <a:r>
+              <a:rPr lang="en-US" dirty="0"/>
+              <a:t>     * Converts this string to a new character array.</a:t>
+            </a:r>
+          </a:p>
+          <a:p>
+            <a:r>
+              <a:rPr lang="en-US" dirty="0"/>
+              <a:t>     *</a:t>
+            </a:r>
+          </a:p>
+          <a:p>
+            <a:r>
+              <a:rPr lang="en-US" dirty="0"/>
+              <a:t>     * @return  a newly allocated character array whose length is the length</a:t>
+            </a:r>
+          </a:p>
+          <a:p>
+            <a:r>
+              <a:rPr lang="en-US" dirty="0"/>
+              <a:t>     *          of this string and whose contents are initialized to contain</a:t>
+            </a:r>
+          </a:p>
+          <a:p>
+            <a:r>
+              <a:rPr lang="en-US" dirty="0"/>
+              <a:t>     *          the character sequence represented by this string.</a:t>
+            </a:r>
+          </a:p>
+          <a:p>
+            <a:r>
+              <a:rPr lang="en-US" dirty="0"/>
+              <a:t>     */</a:t>
+            </a:r>
+          </a:p>
+          <a:p>
+            <a:r>
+              <a:rPr lang="en-US" dirty="0"/>
+              <a:t>    public char[] toCharArray() {</a:t>
+            </a:r>
+          </a:p>
+          <a:p>
+            <a:r>
+              <a:rPr lang="en-US" dirty="0"/>
+              <a:t>        // Cannot use Arrays.copyOf because of class initialization order issues</a:t>
+            </a:r>
+          </a:p>
+          <a:p>
+            <a:r>
+              <a:rPr lang="en-US" dirty="0"/>
+              <a:t>        char result[] = new char[value.length];</a:t>
+            </a:r>
+          </a:p>
+          <a:p>
+            <a:r>
+              <a:rPr lang="en-US" dirty="0"/>
+              <a:t>        System.arraycopy(value, 0, result, 0, value.length);</a:t>
+            </a:r>
+          </a:p>
+          <a:p>
+            <a:r>
+              <a:rPr lang="en-US" dirty="0"/>
+              <a:t>        return result;</a:t>
+            </a:r>
+          </a:p>
+          <a:p>
+            <a:r>
+              <a:rPr lang="en-US" dirty="0"/>
+              <a:t>    }</a:t>
+            </a:r>
           </a:p>
         </p:txBody>
       </p:sp>
       <p:sp>
         <p:nvSpPr>
-          <p:cNvPr id="3" name="Content Placeholder 2">
+          <p:cNvPr id="5" name="Rectangle 4">
             <a:extLst>
               <a:ext uri="{FF2B5EF4-FFF2-40B4-BE49-F238E27FC236}">
-                <a16:creationId xmlns:a16="http://schemas.microsoft.com/office/drawing/2014/main" id="{CCC45320-73DC-49C2-8410-863AC44C60F5}"/>
+                <a16:creationId xmlns:a16="http://schemas.microsoft.com/office/drawing/2014/main" id="{4EE1D41C-9AB4-46E5-B7C1-2CD6A1509CE5}"/>
               </a:ext>
             </a:extLst>
           </p:cNvPr>
-          <p:cNvSpPr>
-            <a:spLocks noGrp="1"/>
-          </p:cNvSpPr>
-          <p:nvPr>
-            <p:ph idx="4294967295"/>
-          </p:nvPr>
+          <p:cNvSpPr/>
+          <p:nvPr/>
         </p:nvSpPr>
         <p:spPr>
           <a:xfrm>
-            <a:off x="386862" y="1964079"/>
-            <a:ext cx="8316913" cy="4435475"/>
+            <a:off x="197108" y="317400"/>
+            <a:ext cx="7416774" cy="646331"/>
           </a:xfrm>
+          <a:prstGeom prst="rect">
+            <a:avLst/>
+          </a:prstGeom>
         </p:spPr>
         <p:txBody>
-          <a:bodyPr>
-            <a:normAutofit/>
+          <a:bodyPr wrap="none">
+            <a:spAutoFit/>
           </a:bodyPr>
           <a:lstStyle/>
           <a:p>
-            <a:pPr>
-              <a:buFont typeface="Arial" panose="020B0604020202020204" pitchFamily="34" charset="0"/>
-              <a:buChar char="•"/>
-            </a:pPr>
-            <a:r>
-              <a:rPr lang="en-US" dirty="0"/>
-              <a:t> </a:t>
-            </a:r>
-            <a:r>
-              <a:rPr lang="en-US" sz="2800" dirty="0"/>
-              <a:t>How you solve the coding problem</a:t>
-            </a:r>
-          </a:p>
-          <a:p>
-            <a:pPr marL="665442" lvl="1" indent="-342900">
-              <a:buFontTx/>
-              <a:buChar char="-"/>
-            </a:pPr>
-            <a:r>
-              <a:rPr lang="en-US" sz="2400" dirty="0"/>
-              <a:t>State problem, API first, talk through algorithm</a:t>
-            </a:r>
-          </a:p>
-          <a:p>
-            <a:pPr marL="665442" lvl="1" indent="-342900">
-              <a:buFontTx/>
-              <a:buChar char="-"/>
-            </a:pPr>
-            <a:r>
-              <a:rPr lang="en-US" sz="2400" dirty="0"/>
-              <a:t>Corner cases, ‘fail the test’</a:t>
-            </a:r>
-          </a:p>
-          <a:p>
-            <a:pPr marL="665442" lvl="1" indent="-342900">
-              <a:buFontTx/>
-              <a:buChar char="-"/>
-            </a:pPr>
-            <a:r>
-              <a:rPr lang="en-US" sz="2400" dirty="0"/>
-              <a:t>Don’t freeze, make progress</a:t>
-            </a:r>
-          </a:p>
-          <a:p>
-            <a:pPr marL="665442" lvl="1" indent="-342900">
-              <a:buFontTx/>
-              <a:buChar char="-"/>
-            </a:pPr>
-            <a:r>
-              <a:rPr lang="en-US" sz="2400" dirty="0"/>
-              <a:t>Improve algorithms, refactor</a:t>
-            </a:r>
-          </a:p>
-          <a:p>
-            <a:pPr marL="665442" lvl="1" indent="-342900">
-              <a:buFontTx/>
-              <a:buChar char="-"/>
-            </a:pPr>
-            <a:r>
-              <a:rPr lang="en-US" sz="2400" dirty="0"/>
-              <a:t>Space complexity vs time complexity tradeoff</a:t>
-            </a:r>
-          </a:p>
-          <a:p>
-            <a:pPr>
-              <a:buFont typeface="Arial" panose="020B0604020202020204" pitchFamily="34" charset="0"/>
-              <a:buChar char="•"/>
-            </a:pPr>
-            <a:r>
-              <a:rPr lang="en-US" dirty="0"/>
-              <a:t> </a:t>
-            </a:r>
-            <a:r>
-              <a:rPr lang="en-US" sz="2800" dirty="0"/>
-              <a:t>Talk tech</a:t>
-            </a:r>
-          </a:p>
-          <a:p>
-            <a:pPr marL="665442" lvl="1" indent="-342900">
-              <a:buClr>
-                <a:srgbClr val="E48312"/>
-              </a:buClr>
-              <a:buFontTx/>
-              <a:buChar char="-"/>
-            </a:pPr>
-            <a:r>
-              <a:rPr lang="en-US" sz="2400" dirty="0">
-                <a:solidFill>
-                  <a:srgbClr val="000000">
-                    <a:lumMod val="75000"/>
-                    <a:lumOff val="25000"/>
-                  </a:srgbClr>
-                </a:solidFill>
-              </a:rPr>
-              <a:t>Managerial or architectural view</a:t>
-            </a:r>
-            <a:endParaRPr lang="en-US" sz="2400" dirty="0"/>
-          </a:p>
-          <a:p>
-            <a:pPr marL="322542" lvl="1" indent="0">
-              <a:buNone/>
-            </a:pPr>
-            <a:endParaRPr lang="en-US" dirty="0"/>
-          </a:p>
-          <a:p>
-            <a:endParaRPr lang="en-US" dirty="0"/>
-          </a:p>
-          <a:p>
-            <a:endParaRPr lang="en-US" dirty="0"/>
+            <a:r>
+              <a:rPr lang="en-US" sz="3600" dirty="0"/>
+              <a:t>src/share/classes/java/lang/String.java</a:t>
+            </a:r>
           </a:p>
         </p:txBody>
       </p:sp>
     </p:spTree>
     <p:extLst>
       <p:ext uri="{BB962C8B-B14F-4D97-AF65-F5344CB8AC3E}">
-        <p14:creationId xmlns:p14="http://schemas.microsoft.com/office/powerpoint/2010/main" val="2566674287"/>
+        <p14:creationId xmlns:p14="http://schemas.microsoft.com/office/powerpoint/2010/main" val="893326491"/>
       </p:ext>
     </p:extLst>
   </p:cSld>
@@ -9642,6 +9782,217 @@
           <p:cNvPr id="2" name="Title 1">
             <a:extLst>
               <a:ext uri="{FF2B5EF4-FFF2-40B4-BE49-F238E27FC236}">
+                <a16:creationId xmlns:a16="http://schemas.microsoft.com/office/drawing/2014/main" id="{1DD7B33F-B2D7-49C5-A92B-A2C79F8ADB9B}"/>
+              </a:ext>
+            </a:extLst>
+          </p:cNvPr>
+          <p:cNvSpPr>
+            <a:spLocks noGrp="1"/>
+          </p:cNvSpPr>
+          <p:nvPr>
+            <p:ph type="title" idx="4294967295"/>
+          </p:nvPr>
+        </p:nvSpPr>
+        <p:spPr>
+          <a:xfrm>
+            <a:off x="225083" y="241276"/>
+            <a:ext cx="8316913" cy="1598612"/>
+          </a:xfrm>
+        </p:spPr>
+        <p:txBody>
+          <a:bodyPr/>
+          <a:lstStyle/>
+          <a:p>
+            <a:r>
+              <a:rPr lang="en-US" sz="4800" dirty="0"/>
+              <a:t>What Interviewers </a:t>
+            </a:r>
+            <a:br>
+              <a:rPr lang="en-US" sz="4800" dirty="0"/>
+            </a:br>
+            <a:r>
+              <a:rPr lang="en-US" sz="4800" dirty="0"/>
+              <a:t>Really Want</a:t>
+            </a:r>
+            <a:endParaRPr lang="en-US" dirty="0"/>
+          </a:p>
+        </p:txBody>
+      </p:sp>
+      <p:sp>
+        <p:nvSpPr>
+          <p:cNvPr id="3" name="Content Placeholder 2">
+            <a:extLst>
+              <a:ext uri="{FF2B5EF4-FFF2-40B4-BE49-F238E27FC236}">
+                <a16:creationId xmlns:a16="http://schemas.microsoft.com/office/drawing/2014/main" id="{CCC45320-73DC-49C2-8410-863AC44C60F5}"/>
+              </a:ext>
+            </a:extLst>
+          </p:cNvPr>
+          <p:cNvSpPr>
+            <a:spLocks noGrp="1"/>
+          </p:cNvSpPr>
+          <p:nvPr>
+            <p:ph idx="4294967295"/>
+          </p:nvPr>
+        </p:nvSpPr>
+        <p:spPr>
+          <a:xfrm>
+            <a:off x="386862" y="1964079"/>
+            <a:ext cx="8316913" cy="4435475"/>
+          </a:xfrm>
+        </p:spPr>
+        <p:txBody>
+          <a:bodyPr>
+            <a:normAutofit/>
+          </a:bodyPr>
+          <a:lstStyle/>
+          <a:p>
+            <a:pPr>
+              <a:buFont typeface="Arial" panose="020B0604020202020204" pitchFamily="34" charset="0"/>
+              <a:buChar char="•"/>
+            </a:pPr>
+            <a:r>
+              <a:rPr lang="en-US" dirty="0"/>
+              <a:t> </a:t>
+            </a:r>
+            <a:r>
+              <a:rPr lang="en-US" sz="2800" dirty="0"/>
+              <a:t>How you solve the coding problem</a:t>
+            </a:r>
+          </a:p>
+          <a:p>
+            <a:pPr marL="665442" lvl="1" indent="-342900">
+              <a:buFontTx/>
+              <a:buChar char="-"/>
+            </a:pPr>
+            <a:r>
+              <a:rPr lang="en-US" sz="2400" dirty="0"/>
+              <a:t>State problem, API first, talk through algorithm</a:t>
+            </a:r>
+          </a:p>
+          <a:p>
+            <a:pPr marL="665442" lvl="1" indent="-342900">
+              <a:buFontTx/>
+              <a:buChar char="-"/>
+            </a:pPr>
+            <a:r>
+              <a:rPr lang="en-US" sz="2400" dirty="0"/>
+              <a:t>Corner cases, ‘fail the test’</a:t>
+            </a:r>
+          </a:p>
+          <a:p>
+            <a:pPr marL="665442" lvl="1" indent="-342900">
+              <a:buFontTx/>
+              <a:buChar char="-"/>
+            </a:pPr>
+            <a:r>
+              <a:rPr lang="en-US" sz="2400" dirty="0"/>
+              <a:t>Don’t freeze, make progress</a:t>
+            </a:r>
+          </a:p>
+          <a:p>
+            <a:pPr marL="665442" lvl="1" indent="-342900">
+              <a:buFontTx/>
+              <a:buChar char="-"/>
+            </a:pPr>
+            <a:r>
+              <a:rPr lang="en-US" sz="2400" dirty="0"/>
+              <a:t>Improve algorithms, refactor</a:t>
+            </a:r>
+          </a:p>
+          <a:p>
+            <a:pPr marL="665442" lvl="1" indent="-342900">
+              <a:buFontTx/>
+              <a:buChar char="-"/>
+            </a:pPr>
+            <a:r>
+              <a:rPr lang="en-US" sz="2400" dirty="0"/>
+              <a:t>Space complexity vs time complexity tradeoff</a:t>
+            </a:r>
+          </a:p>
+          <a:p>
+            <a:pPr>
+              <a:buFont typeface="Arial" panose="020B0604020202020204" pitchFamily="34" charset="0"/>
+              <a:buChar char="•"/>
+            </a:pPr>
+            <a:r>
+              <a:rPr lang="en-US" dirty="0"/>
+              <a:t> </a:t>
+            </a:r>
+            <a:r>
+              <a:rPr lang="en-US" sz="2800" dirty="0"/>
+              <a:t>Talk tech</a:t>
+            </a:r>
+          </a:p>
+          <a:p>
+            <a:pPr marL="665442" lvl="1" indent="-342900">
+              <a:buClr>
+                <a:srgbClr val="E48312"/>
+              </a:buClr>
+              <a:buFontTx/>
+              <a:buChar char="-"/>
+            </a:pPr>
+            <a:r>
+              <a:rPr lang="en-US" sz="2400" dirty="0">
+                <a:solidFill>
+                  <a:srgbClr val="000000">
+                    <a:lumMod val="75000"/>
+                    <a:lumOff val="25000"/>
+                  </a:srgbClr>
+                </a:solidFill>
+              </a:rPr>
+              <a:t>Managerial or architectural view</a:t>
+            </a:r>
+            <a:endParaRPr lang="en-US" sz="2400" dirty="0"/>
+          </a:p>
+          <a:p>
+            <a:pPr marL="322542" lvl="1" indent="0">
+              <a:buNone/>
+            </a:pPr>
+            <a:endParaRPr lang="en-US" dirty="0"/>
+          </a:p>
+          <a:p>
+            <a:endParaRPr lang="en-US" dirty="0"/>
+          </a:p>
+          <a:p>
+            <a:endParaRPr lang="en-US" dirty="0"/>
+          </a:p>
+        </p:txBody>
+      </p:sp>
+    </p:spTree>
+    <p:extLst>
+      <p:ext uri="{BB962C8B-B14F-4D97-AF65-F5344CB8AC3E}">
+        <p14:creationId xmlns:p14="http://schemas.microsoft.com/office/powerpoint/2010/main" val="2566674287"/>
+      </p:ext>
+    </p:extLst>
+  </p:cSld>
+  <p:clrMapOvr>
+    <a:masterClrMapping/>
+  </p:clrMapOvr>
+</p:sld>
+</file>
+
+<file path=ppt/slides/slide12.xml><?xml version="1.0" encoding="utf-8"?>
+<p:sld xmlns:a="http://schemas.openxmlformats.org/drawingml/2006/main" xmlns:r="http://schemas.openxmlformats.org/officeDocument/2006/relationships" xmlns:p="http://schemas.openxmlformats.org/presentationml/2006/main">
+  <p:cSld>
+    <p:spTree>
+      <p:nvGrpSpPr>
+        <p:cNvPr id="1" name=""/>
+        <p:cNvGrpSpPr/>
+        <p:nvPr/>
+      </p:nvGrpSpPr>
+      <p:grpSpPr>
+        <a:xfrm>
+          <a:off x="0" y="0"/>
+          <a:ext cx="0" cy="0"/>
+          <a:chOff x="0" y="0"/>
+          <a:chExt cx="0" cy="0"/>
+        </a:xfrm>
+      </p:grpSpPr>
+      <p:sp>
+        <p:nvSpPr>
+          <p:cNvPr id="2" name="Title 1">
+            <a:extLst>
+              <a:ext uri="{FF2B5EF4-FFF2-40B4-BE49-F238E27FC236}">
                 <a16:creationId xmlns:a16="http://schemas.microsoft.com/office/drawing/2014/main" id="{B8A68B68-C388-4C39-9897-5A09B36C1B6F}"/>
               </a:ext>
             </a:extLst>
@@ -9674,13 +10025,8 @@
             </a:br>
             <a:r>
               <a:rPr lang="en-US" sz="5400" dirty="0"/>
-              <a:t>Really Want </a:t>
-            </a:r>
-            <a:r>
-              <a:rPr lang="en-US" sz="5400" dirty="0" err="1"/>
-              <a:t>con’t</a:t>
-            </a:r>
-            <a:endParaRPr lang="en-US" sz="5400" dirty="0"/>
+              <a:t>Really Want cont.</a:t>
+            </a:r>
           </a:p>
         </p:txBody>
       </p:sp>
@@ -9720,13 +10066,8 @@
           <a:p>
             <a:r>
               <a:rPr lang="en-US" dirty="0"/>
-              <a:t>-- Jim </a:t>
-            </a:r>
-            <a:r>
-              <a:rPr lang="en-US" dirty="0" err="1"/>
-              <a:t>Rohn</a:t>
-            </a:r>
-            <a:endParaRPr lang="en-US" dirty="0"/>
+              <a:t>-- Jim Rohn</a:t>
+            </a:r>
           </a:p>
           <a:p>
             <a:endParaRPr lang="en-US" dirty="0"/>
@@ -9807,17 +10148,6 @@
               <a:buChar char="-"/>
             </a:pPr>
             <a:r>
-              <a:rPr lang="en-US" sz="2400" dirty="0" err="1">
-                <a:solidFill>
-                  <a:srgbClr val="000000">
-                    <a:lumMod val="75000"/>
-                    <a:lumOff val="25000"/>
-                  </a:srgbClr>
-                </a:solidFill>
-              </a:rPr>
-              <a:t>Github</a:t>
-            </a:r>
-            <a:r>
               <a:rPr lang="en-US" sz="2400" dirty="0">
                 <a:solidFill>
                   <a:srgbClr val="000000">
@@ -9826,7 +10156,7 @@
                   </a:srgbClr>
                 </a:solidFill>
               </a:rPr>
-              <a:t>, cloud, blog</a:t>
+              <a:t>Github, cloud, blog</a:t>
             </a:r>
           </a:p>
         </p:txBody>
@@ -9844,7 +10174,7 @@
 </p:sld>
 </file>
 
-<file path=ppt/slides/slide12.xml><?xml version="1.0" encoding="utf-8"?>
+<file path=ppt/slides/slide13.xml><?xml version="1.0" encoding="utf-8"?>
 <p:sld xmlns:a="http://schemas.openxmlformats.org/drawingml/2006/main" xmlns:r="http://schemas.openxmlformats.org/officeDocument/2006/relationships" xmlns:p="http://schemas.openxmlformats.org/presentationml/2006/main">
   <p:cSld name="page7">
     <p:spTree>
@@ -10013,15 +10343,7 @@
             </a:r>
             <a:r>
               <a:rPr lang="en-US" sz="2600" dirty="0"/>
-              <a:t>- </a:t>
-            </a:r>
-            <a:r>
-              <a:rPr lang="en-US" sz="2600" dirty="0" err="1"/>
-              <a:t>Graesser</a:t>
-            </a:r>
-            <a:r>
-              <a:rPr lang="en-US" sz="2600" dirty="0"/>
-              <a:t> and Franklin, </a:t>
+              <a:t>- Graesser and Franklin, </a:t>
             </a:r>
             <a:r>
               <a:rPr lang="en-US" sz="2600" i="1" dirty="0">
@@ -10041,15 +10363,7 @@
             </a:br>
             <a:r>
               <a:rPr lang="en-US" sz="2600" dirty="0"/>
-              <a:t>Takeaway- Automating a task through </a:t>
-            </a:r>
-            <a:r>
-              <a:rPr lang="en-US" sz="2600" dirty="0" err="1"/>
-              <a:t>overpractice</a:t>
-            </a:r>
-            <a:r>
-              <a:rPr lang="en-US" sz="2600" dirty="0"/>
-              <a:t> reduces load on the conscious attention needed for problem solving.</a:t>
+              <a:t>Takeaway- Automating a task through overpractice reduces load on the conscious attention needed for problem solving.</a:t>
             </a:r>
             <a:br>
               <a:rPr lang="en-US" sz="2600" dirty="0"/>
@@ -10656,13 +10970,8 @@
             <a:pPr lvl="0"/>
             <a:r>
               <a:rPr lang="en-US" sz="4800" dirty="0"/>
-              <a:t>Attention is Limited </a:t>
-            </a:r>
-            <a:r>
-              <a:rPr lang="en-US" sz="4800" dirty="0" err="1"/>
-              <a:t>con't</a:t>
-            </a:r>
-            <a:endParaRPr lang="en-US" sz="4800" dirty="0"/>
+              <a:t>Attention is Limited cont.</a:t>
+            </a:r>
           </a:p>
         </p:txBody>
       </p:sp>
@@ -10954,7 +11263,7 @@
         <p:spPr>
           <a:xfrm>
             <a:off x="296725" y="1608457"/>
-            <a:ext cx="9111913" cy="2646878"/>
+            <a:ext cx="9111913" cy="2105192"/>
           </a:xfrm>
           <a:prstGeom prst="rect">
             <a:avLst/>
@@ -11009,18 +11318,6 @@
               <a:buChar char="●"/>
             </a:pPr>
             <a:r>
-              <a:rPr lang="en-US" sz="2800" dirty="0" err="1">
-                <a:highlight>
-                  <a:scrgbClr r="0" g="0" b="0">
-                    <a:alpha val="0"/>
-                  </a:scrgbClr>
-                </a:highlight>
-                <a:latin typeface="Calibri" panose="020F0502020204030204" pitchFamily="34" charset="0"/>
-                <a:cs typeface="Calibri" panose="020F0502020204030204" pitchFamily="34" charset="0"/>
-              </a:rPr>
-              <a:t>Overpractice</a:t>
-            </a:r>
-            <a:r>
               <a:rPr lang="en-US" sz="2800" dirty="0">
                 <a:highlight>
                   <a:scrgbClr r="0" g="0" b="0">
@@ -11030,7 +11327,7 @@
                 <a:latin typeface="Calibri" panose="020F0502020204030204" pitchFamily="34" charset="0"/>
                 <a:cs typeface="Calibri" panose="020F0502020204030204" pitchFamily="34" charset="0"/>
               </a:rPr>
-              <a:t> simple coding exercises</a:t>
+              <a:t>Overpractice simple coding exercises</a:t>
             </a:r>
           </a:p>
           <a:p>
@@ -11087,34 +11384,6 @@
                 <a:cs typeface="Calibri" panose="020F0502020204030204" pitchFamily="34" charset="0"/>
               </a:rPr>
               <a:t>Talk out problem statement and algorithm first</a:t>
-            </a:r>
-          </a:p>
-          <a:p>
-            <a:pPr marL="91440" lvl="0" indent="-182880">
-              <a:lnSpc>
-                <a:spcPct val="90000"/>
-              </a:lnSpc>
-              <a:spcBef>
-                <a:spcPts val="1200"/>
-              </a:spcBef>
-              <a:buClr>
-                <a:schemeClr val="accent1"/>
-              </a:buClr>
-              <a:buSzPct val="45000"/>
-              <a:buFont typeface="Calibri" panose="020F0502020204030204" pitchFamily="34" charset="0"/>
-              <a:buChar char="●"/>
-            </a:pPr>
-            <a:r>
-              <a:rPr lang="en-US" sz="2800" dirty="0">
-                <a:highlight>
-                  <a:scrgbClr r="0" g="0" b="0">
-                    <a:alpha val="0"/>
-                  </a:scrgbClr>
-                </a:highlight>
-                <a:latin typeface="Calibri" panose="020F0502020204030204" pitchFamily="34" charset="0"/>
-                <a:cs typeface="Calibri" panose="020F0502020204030204" pitchFamily="34" charset="0"/>
-              </a:rPr>
-              <a:t>Start at the API and corner cases</a:t>
             </a:r>
           </a:p>
         </p:txBody>
@@ -11250,29 +11519,7 @@
             </a:r>
           </a:p>
           <a:p>
-            <a:pPr marL="221747" lvl="1" indent="0">
-              <a:buSzPct val="45000"/>
-              <a:buNone/>
-            </a:pPr>
-            <a:r>
-              <a:rPr lang="en-US" sz="2800" b="1" dirty="0">
-                <a:solidFill>
-                  <a:schemeClr val="accent1"/>
-                </a:solidFill>
-              </a:rPr>
-              <a:t>-</a:t>
-            </a:r>
-            <a:r>
-              <a:rPr lang="en-US" sz="2800" b="1" dirty="0"/>
-              <a:t> </a:t>
-            </a:r>
-            <a:r>
-              <a:rPr lang="en-US" sz="2400" dirty="0"/>
-              <a:t>Understand the basics well</a:t>
-            </a:r>
-          </a:p>
-          <a:p>
-            <a:pPr>
+            <a:pPr lvl="0">
               <a:buSzPct val="45000"/>
               <a:buFont typeface="StarSymbol"/>
               <a:buChar char="●"/>
@@ -11404,15 +11651,7 @@
             </a:pPr>
             <a:r>
               <a:rPr lang="en-US" sz="2800" dirty="0"/>
-              <a:t> </a:t>
-            </a:r>
-            <a:r>
-              <a:rPr lang="en-US" sz="2800" dirty="0" err="1"/>
-              <a:t>Overpractive</a:t>
-            </a:r>
-            <a:r>
-              <a:rPr lang="en-US" sz="2800" dirty="0"/>
-              <a:t> simpler algorithms rather than going to more complex ones.</a:t>
+              <a:t> Overpractice simpler algorithms instead of more complex ones.</a:t>
             </a:r>
           </a:p>
           <a:p>
@@ -11434,7 +11673,7 @@
             </a:pPr>
             <a:r>
               <a:rPr lang="en-US" sz="2800" dirty="0"/>
-              <a:t> Read the Java source comments</a:t>
+              <a:t> Read the Java source and comments</a:t>
             </a:r>
           </a:p>
         </p:txBody>

--- a/presentationSlides3.pptx
+++ b/presentationSlides3.pptx
@@ -3771,7 +3771,82 @@
           <a:p>
             <a:r>
               <a:rPr lang="en-US" dirty="0"/>
-              <a:t>Don’t based interview on what you can do, because there are always more asks.</a:t>
+              <a:t>Github, cloud, blog, twitter</a:t>
+            </a:r>
+          </a:p>
+          <a:p>
+            <a:r>
+              <a:rPr lang="en-US" dirty="0"/>
+              <a:t>Managerial or architectural discussion. Ask </a:t>
+            </a:r>
+            <a:r>
+              <a:rPr lang="en-US" dirty="0" err="1"/>
+              <a:t>abt</a:t>
+            </a:r>
+            <a:r>
+              <a:rPr lang="en-US" dirty="0"/>
+              <a:t> your resume. Ask a basic question about how requests are processed by a server. Have a two minute talk ready.</a:t>
+            </a:r>
+          </a:p>
+          <a:p>
+            <a:r>
+              <a:rPr lang="en-US" dirty="0"/>
+              <a:t>What problem did it solve? How?</a:t>
+            </a:r>
+          </a:p>
+          <a:p>
+            <a:r>
+              <a:rPr lang="en-US" dirty="0"/>
+              <a:t>What came before?</a:t>
+            </a:r>
+          </a:p>
+          <a:p>
+            <a:r>
+              <a:rPr lang="en-US" dirty="0"/>
+              <a:t>In-place vs algorithms that use a target data structure</a:t>
+            </a:r>
+          </a:p>
+          <a:p>
+            <a:pPr marL="216000" marR="0" lvl="0" indent="-216000" defTabSz="914400" rtl="0" eaLnBrk="1" fontAlgn="auto" latinLnBrk="0" hangingPunct="0">
+              <a:lnSpc>
+                <a:spcPct val="100000"/>
+              </a:lnSpc>
+              <a:spcBef>
+                <a:spcPts val="0"/>
+              </a:spcBef>
+              <a:spcAft>
+                <a:spcPts val="0"/>
+              </a:spcAft>
+              <a:buClrTx/>
+              <a:buSzTx/>
+              <a:buFontTx/>
+              <a:buNone/>
+              <a:tabLst/>
+              <a:defRPr/>
+            </a:pPr>
+            <a:r>
+              <a:rPr lang="en-US" dirty="0">
+                <a:highlight>
+                  <a:scrgbClr r="0" g="0" b="0">
+                    <a:alpha val="0"/>
+                  </a:scrgbClr>
+                </a:highlight>
+              </a:rPr>
+              <a:t>Space complexity vs time complexity tradeoff- change algorithm or data</a:t>
+            </a:r>
+          </a:p>
+          <a:p>
+            <a:r>
+              <a:rPr lang="en-US" dirty="0"/>
+              <a:t>Consider </a:t>
+            </a:r>
+            <a:r>
+              <a:rPr lang="en-US" dirty="0" err="1"/>
+              <a:t>orderedness</a:t>
+            </a:r>
+            <a:r>
+              <a:rPr lang="en-US" dirty="0"/>
+              <a:t> of data, unsort vs grouped or sorted</a:t>
             </a:r>
           </a:p>
         </p:txBody>
@@ -3794,7 +3869,7 @@
             <a:pPr lvl="0"/>
             <a:fld id="{80923FD0-E349-4EFB-B4FF-16F06AF1FCB2}" type="slidenum">
               <a:rPr lang="en-US" smtClean="0"/>
-              <a:t>12</a:t>
+              <a:t>11</a:t>
             </a:fld>
             <a:endParaRPr lang="en-US"/>
           </a:p>
@@ -3803,7 +3878,7 @@
     </p:spTree>
     <p:extLst>
       <p:ext uri="{BB962C8B-B14F-4D97-AF65-F5344CB8AC3E}">
-        <p14:creationId xmlns:p14="http://schemas.microsoft.com/office/powerpoint/2010/main" val="3415728509"/>
+        <p14:creationId xmlns:p14="http://schemas.microsoft.com/office/powerpoint/2010/main" val="3520300216"/>
       </p:ext>
     </p:extLst>
   </p:cSld>
@@ -3832,6 +3907,99 @@
       </p:grpSpPr>
       <p:sp>
         <p:nvSpPr>
+          <p:cNvPr id="2" name="Slide Image Placeholder 1"/>
+          <p:cNvSpPr>
+            <a:spLocks noGrp="1" noRot="1" noChangeAspect="1"/>
+          </p:cNvSpPr>
+          <p:nvPr>
+            <p:ph type="sldImg"/>
+          </p:nvPr>
+        </p:nvSpPr>
+        <p:spPr>
+          <a:xfrm>
+            <a:off x="1371600" y="763588"/>
+            <a:ext cx="5029200" cy="3771900"/>
+          </a:xfrm>
+        </p:spPr>
+      </p:sp>
+      <p:sp>
+        <p:nvSpPr>
+          <p:cNvPr id="3" name="Notes Placeholder 2"/>
+          <p:cNvSpPr>
+            <a:spLocks noGrp="1"/>
+          </p:cNvSpPr>
+          <p:nvPr>
+            <p:ph type="body" idx="1"/>
+          </p:nvPr>
+        </p:nvSpPr>
+        <p:spPr/>
+        <p:txBody>
+          <a:bodyPr/>
+          <a:lstStyle/>
+          <a:p>
+            <a:r>
+              <a:rPr lang="en-US" dirty="0"/>
+              <a:t>Don’t based interview on what you can do, because there are always more asks.</a:t>
+            </a:r>
+          </a:p>
+        </p:txBody>
+      </p:sp>
+      <p:sp>
+        <p:nvSpPr>
+          <p:cNvPr id="4" name="Slide Number Placeholder 3"/>
+          <p:cNvSpPr>
+            <a:spLocks noGrp="1"/>
+          </p:cNvSpPr>
+          <p:nvPr>
+            <p:ph type="sldNum" sz="quarter" idx="10"/>
+          </p:nvPr>
+        </p:nvSpPr>
+        <p:spPr/>
+        <p:txBody>
+          <a:bodyPr/>
+          <a:lstStyle/>
+          <a:p>
+            <a:pPr lvl="0"/>
+            <a:fld id="{80923FD0-E349-4EFB-B4FF-16F06AF1FCB2}" type="slidenum">
+              <a:rPr lang="en-US" smtClean="0"/>
+              <a:t>12</a:t>
+            </a:fld>
+            <a:endParaRPr lang="en-US"/>
+          </a:p>
+        </p:txBody>
+      </p:sp>
+    </p:spTree>
+    <p:extLst>
+      <p:ext uri="{BB962C8B-B14F-4D97-AF65-F5344CB8AC3E}">
+        <p14:creationId xmlns:p14="http://schemas.microsoft.com/office/powerpoint/2010/main" val="3415728509"/>
+      </p:ext>
+    </p:extLst>
+  </p:cSld>
+  <p:clrMapOvr>
+    <a:masterClrMapping/>
+  </p:clrMapOvr>
+</p:notes>
+</file>
+
+<file path=ppt/notesSlides/notesSlide12.xml><?xml version="1.0" encoding="utf-8"?>
+<p:notes xmlns:a="http://schemas.openxmlformats.org/drawingml/2006/main" xmlns:r="http://schemas.openxmlformats.org/officeDocument/2006/relationships" xmlns:p="http://schemas.openxmlformats.org/presentationml/2006/main">
+  <p:cSld>
+    <p:spTree>
+      <p:nvGrpSpPr>
+        <p:cNvPr id="1" name=""/>
+        <p:cNvGrpSpPr/>
+        <p:nvPr/>
+      </p:nvGrpSpPr>
+      <p:grpSpPr>
+        <a:xfrm>
+          <a:off x="0" y="0"/>
+          <a:ext cx="0" cy="0"/>
+          <a:chOff x="0" y="0"/>
+          <a:chExt cx="0" cy="0"/>
+        </a:xfrm>
+      </p:grpSpPr>
+      <p:sp>
+        <p:nvSpPr>
           <p:cNvPr id="7" name="Slide Number Placeholder 6">
             <a:extLst>
               <a:ext uri="{FF2B5EF4-FFF2-40B4-BE49-F238E27FC236}">
@@ -4033,43 +4201,59 @@
           <a:p>
             <a:pPr lvl="0"/>
             <a:r>
-              <a:rPr lang="en-US"/>
+              <a:rPr lang="en-US" dirty="0"/>
               <a:t>Size of short term memory is limited</a:t>
             </a:r>
           </a:p>
           <a:p>
             <a:pPr lvl="0"/>
             <a:r>
-              <a:rPr lang="en-US"/>
+              <a:rPr lang="en-US" dirty="0"/>
               <a:t>Attention is a limited resource</a:t>
             </a:r>
           </a:p>
           <a:p>
             <a:pPr lvl="0"/>
             <a:r>
-              <a:rPr lang="en-US"/>
+              <a:rPr lang="en-US" dirty="0"/>
               <a:t>White boarding coding tasks add additional cognitive load</a:t>
             </a:r>
           </a:p>
           <a:p>
             <a:pPr lvl="0"/>
             <a:r>
-              <a:rPr lang="en-US"/>
+              <a:rPr lang="en-US" dirty="0"/>
               <a:t>Recall and performance declines</a:t>
             </a:r>
           </a:p>
           <a:p>
             <a:pPr lvl="0"/>
             <a:r>
-              <a:rPr lang="en-US"/>
+              <a:rPr lang="en-US" dirty="0"/>
               <a:t>Start with something trivial- the method argument, inner loop</a:t>
             </a:r>
           </a:p>
           <a:p>
             <a:pPr lvl="0"/>
             <a:r>
-              <a:rPr lang="en-US"/>
-              <a:t>!!!! what to do when you are asked somethng you dont know- move forward relate to something you dont know</a:t>
+              <a:rPr lang="en-US" dirty="0"/>
+              <a:t>!what to do when you are asked something you </a:t>
+            </a:r>
+            <a:r>
+              <a:rPr lang="en-US" dirty="0" err="1"/>
+              <a:t>dont</a:t>
+            </a:r>
+            <a:r>
+              <a:rPr lang="en-US" dirty="0"/>
+              <a:t> know- move forward relate to something you </a:t>
+            </a:r>
+            <a:r>
+              <a:rPr lang="en-US" dirty="0" err="1"/>
+              <a:t>dont</a:t>
+            </a:r>
+            <a:r>
+              <a:rPr lang="en-US" dirty="0"/>
+              <a:t> know</a:t>
             </a:r>
           </a:p>
         </p:txBody>
@@ -4187,43 +4371,59 @@
           <a:p>
             <a:pPr lvl="0"/>
             <a:r>
-              <a:rPr lang="en-US"/>
+              <a:rPr lang="en-US" dirty="0"/>
               <a:t>Size of short term memory is limited</a:t>
             </a:r>
           </a:p>
           <a:p>
             <a:pPr lvl="0"/>
             <a:r>
-              <a:rPr lang="en-US"/>
+              <a:rPr lang="en-US" dirty="0"/>
               <a:t>Attention is a limited resource</a:t>
             </a:r>
           </a:p>
           <a:p>
             <a:pPr lvl="0"/>
             <a:r>
-              <a:rPr lang="en-US"/>
+              <a:rPr lang="en-US" dirty="0"/>
               <a:t>White boarding coding tasks add additional cognitive load</a:t>
             </a:r>
           </a:p>
           <a:p>
             <a:pPr lvl="0"/>
             <a:r>
-              <a:rPr lang="en-US"/>
+              <a:rPr lang="en-US" dirty="0"/>
               <a:t>Recall and performance declines</a:t>
             </a:r>
           </a:p>
           <a:p>
             <a:pPr lvl="0"/>
             <a:r>
-              <a:rPr lang="en-US"/>
+              <a:rPr lang="en-US" dirty="0"/>
               <a:t>Start with something trivial- the method argument, inner loop</a:t>
             </a:r>
           </a:p>
           <a:p>
             <a:pPr lvl="0"/>
             <a:r>
-              <a:rPr lang="en-US"/>
-              <a:t>!!!! what to do when you are asked somethng you dont know- move forward relate to something you dont know</a:t>
+              <a:rPr lang="en-US" dirty="0"/>
+              <a:t>!!!! what to do when you are asked something you </a:t>
+            </a:r>
+            <a:r>
+              <a:rPr lang="en-US" dirty="0" err="1"/>
+              <a:t>dont</a:t>
+            </a:r>
+            <a:r>
+              <a:rPr lang="en-US" dirty="0"/>
+              <a:t> know- move forward relate to something you </a:t>
+            </a:r>
+            <a:r>
+              <a:rPr lang="en-US" dirty="0" err="1"/>
+              <a:t>dont</a:t>
+            </a:r>
+            <a:r>
+              <a:rPr lang="en-US" dirty="0"/>
+              <a:t> know</a:t>
             </a:r>
           </a:p>
         </p:txBody>
@@ -4344,7 +4544,36 @@
           <a:bodyPr/>
           <a:lstStyle/>
           <a:p>
-            <a:endParaRPr lang="en-US"/>
+            <a:pPr marL="216000" marR="0" lvl="0" indent="-216000" defTabSz="914400" rtl="0" eaLnBrk="1" fontAlgn="auto" latinLnBrk="0" hangingPunct="0">
+              <a:lnSpc>
+                <a:spcPct val="100000"/>
+              </a:lnSpc>
+              <a:spcBef>
+                <a:spcPts val="0"/>
+              </a:spcBef>
+              <a:spcAft>
+                <a:spcPts val="0"/>
+              </a:spcAft>
+              <a:buClrTx/>
+              <a:buSzTx/>
+              <a:buFontTx/>
+              <a:buNone/>
+              <a:tabLst/>
+              <a:defRPr/>
+            </a:pPr>
+            <a:r>
+              <a:rPr lang="en-US" sz="2000" dirty="0">
+                <a:highlight>
+                  <a:scrgbClr r="0" g="0" b="0">
+                    <a:alpha val="0"/>
+                  </a:scrgbClr>
+                </a:highlight>
+              </a:rPr>
+              <a:t>Negative feedback loop vs virtuous feedback loop</a:t>
+            </a:r>
+          </a:p>
+          <a:p>
+            <a:endParaRPr lang="en-US" dirty="0"/>
           </a:p>
         </p:txBody>
       </p:sp>
@@ -4540,19 +4769,27 @@
                 </a:highlight>
                 <a:latin typeface="Liberation Sans" pitchFamily="18"/>
               </a:rPr>
-              <a:t>Talk </a:t>
-            </a:r>
-            <a:r>
-              <a:rPr lang="en-US" sz="2000" dirty="0" err="1">
-                <a:highlight>
-                  <a:scrgbClr r="0" g="0" b="0">
-                    <a:alpha val="0"/>
-                  </a:scrgbClr>
-                </a:highlight>
-                <a:latin typeface="Liberation Sans" pitchFamily="18"/>
-              </a:rPr>
-              <a:t>thu</a:t>
-            </a:r>
+              <a:t>Virtuous feedback loop</a:t>
+            </a:r>
+          </a:p>
+          <a:p>
+            <a:pPr marL="216000" marR="0" lvl="0" indent="-216000" defTabSz="914400" rtl="0" eaLnBrk="1" fontAlgn="auto" latinLnBrk="0" hangingPunct="0">
+              <a:lnSpc>
+                <a:spcPct val="100000"/>
+              </a:lnSpc>
+              <a:spcBef>
+                <a:spcPts val="0"/>
+              </a:spcBef>
+              <a:spcAft>
+                <a:spcPts val="0"/>
+              </a:spcAft>
+              <a:buClrTx/>
+              <a:buSzTx/>
+              <a:buFontTx/>
+              <a:buNone/>
+              <a:tabLst/>
+              <a:defRPr/>
+            </a:pPr>
             <a:r>
               <a:rPr lang="en-US" sz="2000" dirty="0">
                 <a:highlight>
@@ -4562,7 +4799,7 @@
                 </a:highlight>
                 <a:latin typeface="Liberation Sans" pitchFamily="18"/>
               </a:rPr>
-              <a:t> algorithm before coding</a:t>
+              <a:t>Attract what you want by reducing its importance</a:t>
             </a:r>
           </a:p>
           <a:p>
@@ -4765,7 +5002,7 @@
               <a:rPr lang="en-US" sz="2000" dirty="0">
                 <a:latin typeface="Liberation Sans" pitchFamily="18"/>
               </a:rPr>
-              <a:t>you recall info in the context in which it is studied</a:t>
+              <a:t>Talk thru algorithm before coding</a:t>
             </a:r>
           </a:p>
           <a:p>
@@ -4788,15 +5025,9 @@
             </a:pPr>
             <a:r>
               <a:rPr lang="en-US" sz="2000" dirty="0">
-                <a:highlight>
-                  <a:scrgbClr r="0" g="0" b="0">
-                    <a:alpha val="0"/>
-                  </a:scrgbClr>
-                </a:highlight>
-                <a:latin typeface="Calibri" panose="020F0502020204030204" pitchFamily="34" charset="0"/>
-                <a:cs typeface="Calibri" panose="020F0502020204030204" pitchFamily="34" charset="0"/>
+                <a:latin typeface="Liberation Sans" pitchFamily="18"/>
               </a:rPr>
-              <a:t>Start at the API and corner cases</a:t>
+              <a:t>you recall info in the context in which it is studied</a:t>
             </a:r>
           </a:p>
           <a:p>
@@ -4817,17 +5048,18 @@
               <a:tabLst/>
               <a:defRPr/>
             </a:pPr>
-            <a:endParaRPr lang="en-US" sz="2000" dirty="0">
-              <a:highlight>
-                <a:scrgbClr r="0" g="0" b="0">
-                  <a:alpha val="0"/>
-                </a:scrgbClr>
-              </a:highlight>
-              <a:latin typeface="Liberation Sans" pitchFamily="18"/>
-            </a:endParaRPr>
-          </a:p>
-          <a:p>
-            <a:endParaRPr lang="en-US" dirty="0"/>
+            <a:r>
+              <a:rPr lang="en-US" sz="2000" dirty="0">
+                <a:highlight>
+                  <a:scrgbClr r="0" g="0" b="0">
+                    <a:alpha val="0"/>
+                  </a:scrgbClr>
+                </a:highlight>
+                <a:latin typeface="Calibri" panose="020F0502020204030204" pitchFamily="34" charset="0"/>
+                <a:cs typeface="Calibri" panose="020F0502020204030204" pitchFamily="34" charset="0"/>
+              </a:rPr>
+              <a:t>Start at the API and corner cases</a:t>
+            </a:r>
           </a:p>
         </p:txBody>
       </p:sp>
@@ -4979,7 +5211,30 @@
             <a:pPr lvl="0"/>
             <a:r>
               <a:rPr lang="en-US" dirty="0"/>
-              <a:t>Backwards (in context) thinking</a:t>
+              <a:t>Backwards (in context) thinking. Study using backwards thinking.</a:t>
+            </a:r>
+          </a:p>
+          <a:p>
+            <a:pPr lvl="0"/>
+            <a:r>
+              <a:rPr lang="en-US" dirty="0"/>
+              <a:t>  memorize </a:t>
+            </a:r>
+            <a:r>
+              <a:rPr lang="en-US" dirty="0" err="1"/>
+              <a:t>javadoc</a:t>
+            </a:r>
+            <a:r>
+              <a:rPr lang="en-US" dirty="0"/>
+              <a:t> method vs this: what are the ways of </a:t>
+            </a:r>
+            <a:r>
+              <a:rPr lang="en-US" dirty="0" err="1"/>
+              <a:t>upcasing</a:t>
+            </a:r>
+            <a:r>
+              <a:rPr lang="en-US" dirty="0"/>
+              <a:t> a char primitive</a:t>
             </a:r>
           </a:p>
           <a:p>
@@ -5220,66 +5475,6 @@
           <a:bodyPr/>
           <a:lstStyle/>
           <a:p>
-            <a:r>
-              <a:rPr lang="en-US" dirty="0">
-                <a:highlight>
-                  <a:scrgbClr r="0" g="0" b="0">
-                    <a:alpha val="0"/>
-                  </a:scrgbClr>
-                </a:highlight>
-              </a:rPr>
-              <a:t>public char[] toCharArray()</a:t>
-            </a:r>
-            <a:r>
-              <a:rPr lang="en-US" sz="2000" b="0" i="0" u="none" strike="noStrike" kern="1200" cap="none" dirty="0">
-                <a:ln>
-                  <a:noFill/>
-                </a:ln>
-                <a:effectLst/>
-                <a:highlight>
-                  <a:scrgbClr r="0" g="0" b="0">
-                    <a:alpha val="0"/>
-                  </a:scrgbClr>
-                </a:highlight>
-                <a:latin typeface="Liberation Sans" pitchFamily="18"/>
-              </a:rPr>
-              <a:t>Converts this string to a new character array.</a:t>
-            </a:r>
-          </a:p>
-          <a:p>
-            <a:r>
-              <a:rPr lang="en-US" b="1" dirty="0" err="1">
-                <a:effectLst/>
-                <a:highlight>
-                  <a:scrgbClr r="0" g="0" b="0">
-                    <a:alpha val="0"/>
-                  </a:scrgbClr>
-                </a:highlight>
-              </a:rPr>
-              <a:t>Returns:</a:t>
-            </a:r>
-            <a:r>
-              <a:rPr lang="en-US" dirty="0" err="1">
-                <a:highlight>
-                  <a:scrgbClr r="0" g="0" b="0">
-                    <a:alpha val="0"/>
-                  </a:scrgbClr>
-                </a:highlight>
-              </a:rPr>
-              <a:t>a</a:t>
-            </a:r>
-            <a:r>
-              <a:rPr lang="en-US" dirty="0">
-                <a:highlight>
-                  <a:scrgbClr r="0" g="0" b="0">
-                    <a:alpha val="0"/>
-                  </a:scrgbClr>
-                </a:highlight>
-              </a:rPr>
-              <a:t> newly allocated character array whose length is the length of this string and whose contents are initialized to contain the character sequence represented by this string.</a:t>
-            </a:r>
-          </a:p>
-          <a:p>
             <a:endParaRPr lang="en-US" dirty="0">
               <a:highlight>
                 <a:scrgbClr r="0" g="0" b="0">
@@ -5328,12 +5523,7 @@
             <p:ph type="sldImg"/>
           </p:nvPr>
         </p:nvSpPr>
-        <p:spPr>
-          <a:xfrm>
-            <a:off x="1371600" y="763588"/>
-            <a:ext cx="5029200" cy="3771900"/>
-          </a:xfrm>
-        </p:spPr>
+        <p:spPr/>
       </p:sp>
       <p:sp>
         <p:nvSpPr>
@@ -5352,83 +5542,29 @@
           <a:p>
             <a:r>
               <a:rPr lang="en-US" dirty="0"/>
-              <a:t>Github, cloud, blog, twitter</a:t>
-            </a:r>
-          </a:p>
-          <a:p>
+              <a:t>public char[] </a:t>
+            </a:r>
+            <a:r>
+              <a:rPr lang="en-US" dirty="0" err="1"/>
+              <a:t>toCharArray</a:t>
+            </a:r>
             <a:r>
               <a:rPr lang="en-US" dirty="0"/>
-              <a:t>Managerial or architectural discussion. Ask </a:t>
-            </a:r>
+              <a:t>()Converts this string to a new character array.</a:t>
+            </a:r>
+          </a:p>
+          <a:p>
             <a:r>
               <a:rPr lang="en-US" dirty="0" err="1"/>
-              <a:t>abt</a:t>
+              <a:t>Returns:a</a:t>
             </a:r>
             <a:r>
               <a:rPr lang="en-US" dirty="0"/>
-              <a:t> your resume. Ask a basic question about how requests are processed by a server. Have a two minute talk ready.</a:t>
-            </a:r>
-          </a:p>
-          <a:p>
-            <a:r>
-              <a:rPr lang="en-US" dirty="0"/>
-              <a:t>What problem did it solve? How?</a:t>
-            </a:r>
-          </a:p>
-          <a:p>
-            <a:r>
-              <a:rPr lang="en-US" dirty="0"/>
-              <a:t>What came before?</a:t>
-            </a:r>
-          </a:p>
-          <a:p>
-            <a:r>
-              <a:rPr lang="en-US" dirty="0"/>
-              <a:t>In-place vs algorithms that use a target data structure</a:t>
-            </a:r>
-          </a:p>
-          <a:p>
-            <a:pPr marL="216000" marR="0" lvl="0" indent="-216000" defTabSz="914400" rtl="0" eaLnBrk="1" fontAlgn="auto" latinLnBrk="0" hangingPunct="0">
-              <a:lnSpc>
-                <a:spcPct val="100000"/>
-              </a:lnSpc>
-              <a:spcBef>
-                <a:spcPts val="0"/>
-              </a:spcBef>
-              <a:spcAft>
-                <a:spcPts val="0"/>
-              </a:spcAft>
-              <a:buClrTx/>
-              <a:buSzTx/>
-              <a:buFontTx/>
-              <a:buNone/>
-              <a:tabLst/>
-              <a:defRPr/>
-            </a:pPr>
-            <a:r>
-              <a:rPr lang="en-US" dirty="0">
-                <a:highlight>
-                  <a:scrgbClr r="0" g="0" b="0">
-                    <a:alpha val="0"/>
-                  </a:scrgbClr>
-                </a:highlight>
-              </a:rPr>
-              <a:t>Space complexity vs time complexity tradeoff- change algorithm or data</a:t>
-            </a:r>
-          </a:p>
-          <a:p>
-            <a:r>
-              <a:rPr lang="en-US" dirty="0"/>
-              <a:t>Consider </a:t>
-            </a:r>
-            <a:r>
-              <a:rPr lang="en-US" dirty="0" err="1"/>
-              <a:t>orderedness</a:t>
-            </a:r>
-            <a:r>
-              <a:rPr lang="en-US" dirty="0"/>
-              <a:t> of data, unsort vs grouped or sorted</a:t>
-            </a:r>
+              <a:t> newly allocated character array whose length is the length of this string and whose contents are initialized to contain the character sequence represented by this string.</a:t>
+            </a:r>
+          </a:p>
+          <a:p>
+            <a:endParaRPr lang="en-US" dirty="0"/>
           </a:p>
         </p:txBody>
       </p:sp>
@@ -5450,7 +5586,7 @@
             <a:pPr lvl="0"/>
             <a:fld id="{80923FD0-E349-4EFB-B4FF-16F06AF1FCB2}" type="slidenum">
               <a:rPr lang="en-US" smtClean="0"/>
-              <a:t>11</a:t>
+              <a:t>10</a:t>
             </a:fld>
             <a:endParaRPr lang="en-US"/>
           </a:p>
@@ -5459,7 +5595,7 @@
     </p:spTree>
     <p:extLst>
       <p:ext uri="{BB962C8B-B14F-4D97-AF65-F5344CB8AC3E}">
-        <p14:creationId xmlns:p14="http://schemas.microsoft.com/office/powerpoint/2010/main" val="3520300216"/>
+        <p14:creationId xmlns:p14="http://schemas.microsoft.com/office/powerpoint/2010/main" val="2312689292"/>
       </p:ext>
     </p:extLst>
   </p:cSld>
@@ -11033,17 +11169,6 @@
               <a:t> Lower problem solving performance</a:t>
             </a:r>
           </a:p>
-          <a:p>
-            <a:pPr>
-              <a:buSzPct val="45000"/>
-              <a:buFont typeface="StarSymbol"/>
-              <a:buChar char="●"/>
-            </a:pPr>
-            <a:r>
-              <a:rPr lang="en-US" sz="2400" dirty="0"/>
-              <a:t> Negative feedback loop vs virtuous feedback loop</a:t>
-            </a:r>
-          </a:p>
         </p:txBody>
       </p:sp>
     </p:spTree>
@@ -11148,7 +11273,7 @@
                   </a:scrgbClr>
                 </a:highlight>
               </a:rPr>
-              <a:t> Habituate exposure</a:t>
+              <a:t> Habituate exposure to triggers</a:t>
             </a:r>
           </a:p>
           <a:p>
@@ -11183,6 +11308,23 @@
                 </a:highlight>
               </a:rPr>
               <a:t> Devise a strategy for when you don’t know something</a:t>
+            </a:r>
+          </a:p>
+          <a:p>
+            <a:pPr lvl="0">
+              <a:buSzPct val="45000"/>
+              <a:buFont typeface="StarSymbol"/>
+              <a:buChar char="●"/>
+            </a:pPr>
+            <a:r>
+              <a:rPr lang="en-US" sz="2800" dirty="0">
+                <a:highlight>
+                  <a:scrgbClr r="0" g="0" b="0">
+                    <a:alpha val="0"/>
+                  </a:scrgbClr>
+                </a:highlight>
+              </a:rPr>
+              <a:t> Reduce the importance</a:t>
             </a:r>
           </a:p>
         </p:txBody>
